--- a/Network/숙제.pptx
+++ b/Network/숙제.pptx
@@ -6,11 +6,12 @@
     <p:sldMasterId id="2147483660" r:id="rId2"/>
   </p:sldMasterIdLst>
   <p:notesMasterIdLst>
-    <p:notesMasterId r:id="rId5"/>
+    <p:notesMasterId r:id="rId6"/>
   </p:notesMasterIdLst>
   <p:sldIdLst>
     <p:sldId id="256" r:id="rId3"/>
     <p:sldId id="257" r:id="rId4"/>
+    <p:sldId id="258" r:id="rId5"/>
   </p:sldIdLst>
   <p:sldSz cx="12192000" cy="6858000"/>
   <p:notesSz cx="6858000" cy="9144000"/>
@@ -109,6 +110,11 @@
       </a:defRPr>
     </a:lvl9pPr>
   </p:defaultTextStyle>
+  <p:extLst>
+    <p:ext uri="{EFAFB233-063F-42B5-8137-9DF3F51BA10A}">
+      <p15:sldGuideLst xmlns:p15="http://schemas.microsoft.com/office/powerpoint/2012/main"/>
+    </p:ext>
+  </p:extLst>
 </p:presentation>
 </file>
 
@@ -194,7 +200,7 @@
           <a:p>
             <a:fld id="{3EB7578C-4067-414B-A663-5B83E35B2717}" type="datetimeFigureOut">
               <a:rPr lang="ko-KR" altLang="en-US" smtClean="0"/>
-              <a:t>2025-12-12 Fri</a:t>
+              <a:t>2025-12-13</a:t>
             </a:fld>
             <a:endParaRPr lang="ko-KR" altLang="en-US"/>
           </a:p>
@@ -258,38 +264,37 @@
           <a:p>
             <a:pPr lvl="0"/>
             <a:r>
-              <a:rPr lang="ko-KR" altLang="en-US" smtClean="0"/>
+              <a:rPr lang="ko-KR" altLang="en-US"/>
               <a:t>마스터 텍스트 스타일 편집</a:t>
             </a:r>
           </a:p>
           <a:p>
             <a:pPr lvl="1"/>
             <a:r>
-              <a:rPr lang="ko-KR" altLang="en-US" smtClean="0"/>
+              <a:rPr lang="ko-KR" altLang="en-US"/>
               <a:t>둘째 수준</a:t>
             </a:r>
           </a:p>
           <a:p>
             <a:pPr lvl="2"/>
             <a:r>
-              <a:rPr lang="ko-KR" altLang="en-US" smtClean="0"/>
+              <a:rPr lang="ko-KR" altLang="en-US"/>
               <a:t>셋째 수준</a:t>
             </a:r>
           </a:p>
           <a:p>
             <a:pPr lvl="3"/>
             <a:r>
-              <a:rPr lang="ko-KR" altLang="en-US" smtClean="0"/>
+              <a:rPr lang="ko-KR" altLang="en-US"/>
               <a:t>넷째 수준</a:t>
             </a:r>
           </a:p>
           <a:p>
             <a:pPr lvl="4"/>
             <a:r>
-              <a:rPr lang="ko-KR" altLang="en-US" smtClean="0"/>
+              <a:rPr lang="ko-KR" altLang="en-US"/>
               <a:t>다섯째 수준</a:t>
             </a:r>
-            <a:endParaRPr lang="ko-KR" altLang="en-US"/>
           </a:p>
         </p:txBody>
       </p:sp>
@@ -648,10 +653,9 @@
           </a:lstStyle>
           <a:p>
             <a:r>
-              <a:rPr lang="ko-KR" altLang="en-US" smtClean="0"/>
+              <a:rPr lang="ko-KR" altLang="en-US"/>
               <a:t>마스터 제목 스타일 편집</a:t>
             </a:r>
-            <a:endParaRPr lang="ko-KR" altLang="en-US"/>
           </a:p>
         </p:txBody>
       </p:sp>
@@ -713,10 +717,9 @@
           </a:lstStyle>
           <a:p>
             <a:r>
-              <a:rPr lang="ko-KR" altLang="en-US" smtClean="0"/>
+              <a:rPr lang="ko-KR" altLang="en-US"/>
               <a:t>클릭하여 마스터 부제목 스타일 편집</a:t>
             </a:r>
-            <a:endParaRPr lang="ko-KR" altLang="en-US"/>
           </a:p>
         </p:txBody>
       </p:sp>
@@ -737,7 +740,7 @@
           <a:p>
             <a:fld id="{8379F855-0080-4DEF-A343-53CC01D1B06E}" type="datetimeFigureOut">
               <a:rPr lang="ko-KR" altLang="en-US" smtClean="0"/>
-              <a:t>2025-12-12 Fri</a:t>
+              <a:t>2025-12-13</a:t>
             </a:fld>
             <a:endParaRPr lang="ko-KR" altLang="en-US"/>
           </a:p>
@@ -831,10 +834,9 @@
           <a:lstStyle/>
           <a:p>
             <a:r>
-              <a:rPr lang="ko-KR" altLang="en-US" smtClean="0"/>
+              <a:rPr lang="ko-KR" altLang="en-US"/>
               <a:t>마스터 제목 스타일 편집</a:t>
             </a:r>
-            <a:endParaRPr lang="ko-KR" altLang="en-US"/>
           </a:p>
         </p:txBody>
       </p:sp>
@@ -855,38 +857,37 @@
           <a:p>
             <a:pPr lvl="0"/>
             <a:r>
-              <a:rPr lang="ko-KR" altLang="en-US" smtClean="0"/>
+              <a:rPr lang="ko-KR" altLang="en-US"/>
               <a:t>마스터 텍스트 스타일 편집</a:t>
             </a:r>
           </a:p>
           <a:p>
             <a:pPr lvl="1"/>
             <a:r>
-              <a:rPr lang="ko-KR" altLang="en-US" smtClean="0"/>
+              <a:rPr lang="ko-KR" altLang="en-US"/>
               <a:t>둘째 수준</a:t>
             </a:r>
           </a:p>
           <a:p>
             <a:pPr lvl="2"/>
             <a:r>
-              <a:rPr lang="ko-KR" altLang="en-US" smtClean="0"/>
+              <a:rPr lang="ko-KR" altLang="en-US"/>
               <a:t>셋째 수준</a:t>
             </a:r>
           </a:p>
           <a:p>
             <a:pPr lvl="3"/>
             <a:r>
-              <a:rPr lang="ko-KR" altLang="en-US" smtClean="0"/>
+              <a:rPr lang="ko-KR" altLang="en-US"/>
               <a:t>넷째 수준</a:t>
             </a:r>
           </a:p>
           <a:p>
             <a:pPr lvl="4"/>
             <a:r>
-              <a:rPr lang="ko-KR" altLang="en-US" smtClean="0"/>
+              <a:rPr lang="ko-KR" altLang="en-US"/>
               <a:t>다섯째 수준</a:t>
             </a:r>
-            <a:endParaRPr lang="ko-KR" altLang="en-US"/>
           </a:p>
         </p:txBody>
       </p:sp>
@@ -907,7 +908,7 @@
           <a:p>
             <a:fld id="{8379F855-0080-4DEF-A343-53CC01D1B06E}" type="datetimeFigureOut">
               <a:rPr lang="ko-KR" altLang="en-US" smtClean="0"/>
-              <a:t>2025-12-12 Fri</a:t>
+              <a:t>2025-12-13</a:t>
             </a:fld>
             <a:endParaRPr lang="ko-KR" altLang="en-US"/>
           </a:p>
@@ -1006,10 +1007,9 @@
           <a:lstStyle/>
           <a:p>
             <a:r>
-              <a:rPr lang="ko-KR" altLang="en-US" smtClean="0"/>
+              <a:rPr lang="ko-KR" altLang="en-US"/>
               <a:t>마스터 제목 스타일 편집</a:t>
             </a:r>
-            <a:endParaRPr lang="ko-KR" altLang="en-US"/>
           </a:p>
         </p:txBody>
       </p:sp>
@@ -1035,38 +1035,37 @@
           <a:p>
             <a:pPr lvl="0"/>
             <a:r>
-              <a:rPr lang="ko-KR" altLang="en-US" smtClean="0"/>
+              <a:rPr lang="ko-KR" altLang="en-US"/>
               <a:t>마스터 텍스트 스타일 편집</a:t>
             </a:r>
           </a:p>
           <a:p>
             <a:pPr lvl="1"/>
             <a:r>
-              <a:rPr lang="ko-KR" altLang="en-US" smtClean="0"/>
+              <a:rPr lang="ko-KR" altLang="en-US"/>
               <a:t>둘째 수준</a:t>
             </a:r>
           </a:p>
           <a:p>
             <a:pPr lvl="2"/>
             <a:r>
-              <a:rPr lang="ko-KR" altLang="en-US" smtClean="0"/>
+              <a:rPr lang="ko-KR" altLang="en-US"/>
               <a:t>셋째 수준</a:t>
             </a:r>
           </a:p>
           <a:p>
             <a:pPr lvl="3"/>
             <a:r>
-              <a:rPr lang="ko-KR" altLang="en-US" smtClean="0"/>
+              <a:rPr lang="ko-KR" altLang="en-US"/>
               <a:t>넷째 수준</a:t>
             </a:r>
           </a:p>
           <a:p>
             <a:pPr lvl="4"/>
             <a:r>
-              <a:rPr lang="ko-KR" altLang="en-US" smtClean="0"/>
+              <a:rPr lang="ko-KR" altLang="en-US"/>
               <a:t>다섯째 수준</a:t>
             </a:r>
-            <a:endParaRPr lang="ko-KR" altLang="en-US"/>
           </a:p>
         </p:txBody>
       </p:sp>
@@ -1087,7 +1086,7 @@
           <a:p>
             <a:fld id="{8379F855-0080-4DEF-A343-53CC01D1B06E}" type="datetimeFigureOut">
               <a:rPr lang="ko-KR" altLang="en-US" smtClean="0"/>
-              <a:t>2025-12-12 Fri</a:t>
+              <a:t>2025-12-13</a:t>
             </a:fld>
             <a:endParaRPr lang="ko-KR" altLang="en-US"/>
           </a:p>
@@ -1912,10 +1911,9 @@
           <a:lstStyle/>
           <a:p>
             <a:r>
-              <a:rPr lang="ko-KR" altLang="en-US" smtClean="0"/>
+              <a:rPr lang="ko-KR" altLang="en-US"/>
               <a:t>마스터 제목 스타일 편집</a:t>
             </a:r>
-            <a:endParaRPr lang="ko-KR" altLang="en-US"/>
           </a:p>
         </p:txBody>
       </p:sp>
@@ -1936,38 +1934,37 @@
           <a:p>
             <a:pPr lvl="0"/>
             <a:r>
-              <a:rPr lang="ko-KR" altLang="en-US" smtClean="0"/>
+              <a:rPr lang="ko-KR" altLang="en-US"/>
               <a:t>마스터 텍스트 스타일 편집</a:t>
             </a:r>
           </a:p>
           <a:p>
             <a:pPr lvl="1"/>
             <a:r>
-              <a:rPr lang="ko-KR" altLang="en-US" smtClean="0"/>
+              <a:rPr lang="ko-KR" altLang="en-US"/>
               <a:t>둘째 수준</a:t>
             </a:r>
           </a:p>
           <a:p>
             <a:pPr lvl="2"/>
             <a:r>
-              <a:rPr lang="ko-KR" altLang="en-US" smtClean="0"/>
+              <a:rPr lang="ko-KR" altLang="en-US"/>
               <a:t>셋째 수준</a:t>
             </a:r>
           </a:p>
           <a:p>
             <a:pPr lvl="3"/>
             <a:r>
-              <a:rPr lang="ko-KR" altLang="en-US" smtClean="0"/>
+              <a:rPr lang="ko-KR" altLang="en-US"/>
               <a:t>넷째 수준</a:t>
             </a:r>
           </a:p>
           <a:p>
             <a:pPr lvl="4"/>
             <a:r>
-              <a:rPr lang="ko-KR" altLang="en-US" smtClean="0"/>
+              <a:rPr lang="ko-KR" altLang="en-US"/>
               <a:t>다섯째 수준</a:t>
             </a:r>
-            <a:endParaRPr lang="ko-KR" altLang="en-US"/>
           </a:p>
         </p:txBody>
       </p:sp>
@@ -1988,7 +1985,7 @@
           <a:p>
             <a:fld id="{8379F855-0080-4DEF-A343-53CC01D1B06E}" type="datetimeFigureOut">
               <a:rPr lang="ko-KR" altLang="en-US" smtClean="0"/>
-              <a:t>2025-12-12 Fri</a:t>
+              <a:t>2025-12-13</a:t>
             </a:fld>
             <a:endParaRPr lang="ko-KR" altLang="en-US"/>
           </a:p>
@@ -2091,10 +2088,9 @@
           </a:lstStyle>
           <a:p>
             <a:r>
-              <a:rPr lang="ko-KR" altLang="en-US" smtClean="0"/>
+              <a:rPr lang="ko-KR" altLang="en-US"/>
               <a:t>마스터 제목 스타일 편집</a:t>
             </a:r>
-            <a:endParaRPr lang="ko-KR" altLang="en-US"/>
           </a:p>
         </p:txBody>
       </p:sp>
@@ -2211,7 +2207,7 @@
           <a:p>
             <a:pPr lvl="0"/>
             <a:r>
-              <a:rPr lang="ko-KR" altLang="en-US" smtClean="0"/>
+              <a:rPr lang="ko-KR" altLang="en-US"/>
               <a:t>마스터 텍스트 스타일 편집</a:t>
             </a:r>
           </a:p>
@@ -2234,7 +2230,7 @@
           <a:p>
             <a:fld id="{8379F855-0080-4DEF-A343-53CC01D1B06E}" type="datetimeFigureOut">
               <a:rPr lang="ko-KR" altLang="en-US" smtClean="0"/>
-              <a:t>2025-12-12 Fri</a:t>
+              <a:t>2025-12-13</a:t>
             </a:fld>
             <a:endParaRPr lang="ko-KR" altLang="en-US"/>
           </a:p>
@@ -2328,10 +2324,9 @@
           <a:lstStyle/>
           <a:p>
             <a:r>
-              <a:rPr lang="ko-KR" altLang="en-US" smtClean="0"/>
+              <a:rPr lang="ko-KR" altLang="en-US"/>
               <a:t>마스터 제목 스타일 편집</a:t>
             </a:r>
-            <a:endParaRPr lang="ko-KR" altLang="en-US"/>
           </a:p>
         </p:txBody>
       </p:sp>
@@ -2357,38 +2352,37 @@
           <a:p>
             <a:pPr lvl="0"/>
             <a:r>
-              <a:rPr lang="ko-KR" altLang="en-US" smtClean="0"/>
+              <a:rPr lang="ko-KR" altLang="en-US"/>
               <a:t>마스터 텍스트 스타일 편집</a:t>
             </a:r>
           </a:p>
           <a:p>
             <a:pPr lvl="1"/>
             <a:r>
-              <a:rPr lang="ko-KR" altLang="en-US" smtClean="0"/>
+              <a:rPr lang="ko-KR" altLang="en-US"/>
               <a:t>둘째 수준</a:t>
             </a:r>
           </a:p>
           <a:p>
             <a:pPr lvl="2"/>
             <a:r>
-              <a:rPr lang="ko-KR" altLang="en-US" smtClean="0"/>
+              <a:rPr lang="ko-KR" altLang="en-US"/>
               <a:t>셋째 수준</a:t>
             </a:r>
           </a:p>
           <a:p>
             <a:pPr lvl="3"/>
             <a:r>
-              <a:rPr lang="ko-KR" altLang="en-US" smtClean="0"/>
+              <a:rPr lang="ko-KR" altLang="en-US"/>
               <a:t>넷째 수준</a:t>
             </a:r>
           </a:p>
           <a:p>
             <a:pPr lvl="4"/>
             <a:r>
-              <a:rPr lang="ko-KR" altLang="en-US" smtClean="0"/>
+              <a:rPr lang="ko-KR" altLang="en-US"/>
               <a:t>다섯째 수준</a:t>
             </a:r>
-            <a:endParaRPr lang="ko-KR" altLang="en-US"/>
           </a:p>
         </p:txBody>
       </p:sp>
@@ -2414,38 +2408,37 @@
           <a:p>
             <a:pPr lvl="0"/>
             <a:r>
-              <a:rPr lang="ko-KR" altLang="en-US" smtClean="0"/>
+              <a:rPr lang="ko-KR" altLang="en-US"/>
               <a:t>마스터 텍스트 스타일 편집</a:t>
             </a:r>
           </a:p>
           <a:p>
             <a:pPr lvl="1"/>
             <a:r>
-              <a:rPr lang="ko-KR" altLang="en-US" smtClean="0"/>
+              <a:rPr lang="ko-KR" altLang="en-US"/>
               <a:t>둘째 수준</a:t>
             </a:r>
           </a:p>
           <a:p>
             <a:pPr lvl="2"/>
             <a:r>
-              <a:rPr lang="ko-KR" altLang="en-US" smtClean="0"/>
+              <a:rPr lang="ko-KR" altLang="en-US"/>
               <a:t>셋째 수준</a:t>
             </a:r>
           </a:p>
           <a:p>
             <a:pPr lvl="3"/>
             <a:r>
-              <a:rPr lang="ko-KR" altLang="en-US" smtClean="0"/>
+              <a:rPr lang="ko-KR" altLang="en-US"/>
               <a:t>넷째 수준</a:t>
             </a:r>
           </a:p>
           <a:p>
             <a:pPr lvl="4"/>
             <a:r>
-              <a:rPr lang="ko-KR" altLang="en-US" smtClean="0"/>
+              <a:rPr lang="ko-KR" altLang="en-US"/>
               <a:t>다섯째 수준</a:t>
             </a:r>
-            <a:endParaRPr lang="ko-KR" altLang="en-US"/>
           </a:p>
         </p:txBody>
       </p:sp>
@@ -2466,7 +2459,7 @@
           <a:p>
             <a:fld id="{8379F855-0080-4DEF-A343-53CC01D1B06E}" type="datetimeFigureOut">
               <a:rPr lang="ko-KR" altLang="en-US" smtClean="0"/>
-              <a:t>2025-12-12 Fri</a:t>
+              <a:t>2025-12-13</a:t>
             </a:fld>
             <a:endParaRPr lang="ko-KR" altLang="en-US"/>
           </a:p>
@@ -2565,10 +2558,9 @@
           <a:lstStyle/>
           <a:p>
             <a:r>
-              <a:rPr lang="ko-KR" altLang="en-US" smtClean="0"/>
+              <a:rPr lang="ko-KR" altLang="en-US"/>
               <a:t>마스터 제목 스타일 편집</a:t>
             </a:r>
-            <a:endParaRPr lang="ko-KR" altLang="en-US"/>
           </a:p>
         </p:txBody>
       </p:sp>
@@ -2631,7 +2623,7 @@
           <a:p>
             <a:pPr lvl="0"/>
             <a:r>
-              <a:rPr lang="ko-KR" altLang="en-US" smtClean="0"/>
+              <a:rPr lang="ko-KR" altLang="en-US"/>
               <a:t>마스터 텍스트 스타일 편집</a:t>
             </a:r>
           </a:p>
@@ -2659,38 +2651,37 @@
           <a:p>
             <a:pPr lvl="0"/>
             <a:r>
-              <a:rPr lang="ko-KR" altLang="en-US" smtClean="0"/>
+              <a:rPr lang="ko-KR" altLang="en-US"/>
               <a:t>마스터 텍스트 스타일 편집</a:t>
             </a:r>
           </a:p>
           <a:p>
             <a:pPr lvl="1"/>
             <a:r>
-              <a:rPr lang="ko-KR" altLang="en-US" smtClean="0"/>
+              <a:rPr lang="ko-KR" altLang="en-US"/>
               <a:t>둘째 수준</a:t>
             </a:r>
           </a:p>
           <a:p>
             <a:pPr lvl="2"/>
             <a:r>
-              <a:rPr lang="ko-KR" altLang="en-US" smtClean="0"/>
+              <a:rPr lang="ko-KR" altLang="en-US"/>
               <a:t>셋째 수준</a:t>
             </a:r>
           </a:p>
           <a:p>
             <a:pPr lvl="3"/>
             <a:r>
-              <a:rPr lang="ko-KR" altLang="en-US" smtClean="0"/>
+              <a:rPr lang="ko-KR" altLang="en-US"/>
               <a:t>넷째 수준</a:t>
             </a:r>
           </a:p>
           <a:p>
             <a:pPr lvl="4"/>
             <a:r>
-              <a:rPr lang="ko-KR" altLang="en-US" smtClean="0"/>
+              <a:rPr lang="ko-KR" altLang="en-US"/>
               <a:t>다섯째 수준</a:t>
             </a:r>
-            <a:endParaRPr lang="ko-KR" altLang="en-US"/>
           </a:p>
         </p:txBody>
       </p:sp>
@@ -2753,7 +2744,7 @@
           <a:p>
             <a:pPr lvl="0"/>
             <a:r>
-              <a:rPr lang="ko-KR" altLang="en-US" smtClean="0"/>
+              <a:rPr lang="ko-KR" altLang="en-US"/>
               <a:t>마스터 텍스트 스타일 편집</a:t>
             </a:r>
           </a:p>
@@ -2781,38 +2772,37 @@
           <a:p>
             <a:pPr lvl="0"/>
             <a:r>
-              <a:rPr lang="ko-KR" altLang="en-US" smtClean="0"/>
+              <a:rPr lang="ko-KR" altLang="en-US"/>
               <a:t>마스터 텍스트 스타일 편집</a:t>
             </a:r>
           </a:p>
           <a:p>
             <a:pPr lvl="1"/>
             <a:r>
-              <a:rPr lang="ko-KR" altLang="en-US" smtClean="0"/>
+              <a:rPr lang="ko-KR" altLang="en-US"/>
               <a:t>둘째 수준</a:t>
             </a:r>
           </a:p>
           <a:p>
             <a:pPr lvl="2"/>
             <a:r>
-              <a:rPr lang="ko-KR" altLang="en-US" smtClean="0"/>
+              <a:rPr lang="ko-KR" altLang="en-US"/>
               <a:t>셋째 수준</a:t>
             </a:r>
           </a:p>
           <a:p>
             <a:pPr lvl="3"/>
             <a:r>
-              <a:rPr lang="ko-KR" altLang="en-US" smtClean="0"/>
+              <a:rPr lang="ko-KR" altLang="en-US"/>
               <a:t>넷째 수준</a:t>
             </a:r>
           </a:p>
           <a:p>
             <a:pPr lvl="4"/>
             <a:r>
-              <a:rPr lang="ko-KR" altLang="en-US" smtClean="0"/>
+              <a:rPr lang="ko-KR" altLang="en-US"/>
               <a:t>다섯째 수준</a:t>
             </a:r>
-            <a:endParaRPr lang="ko-KR" altLang="en-US"/>
           </a:p>
         </p:txBody>
       </p:sp>
@@ -2833,7 +2823,7 @@
           <a:p>
             <a:fld id="{8379F855-0080-4DEF-A343-53CC01D1B06E}" type="datetimeFigureOut">
               <a:rPr lang="ko-KR" altLang="en-US" smtClean="0"/>
-              <a:t>2025-12-12 Fri</a:t>
+              <a:t>2025-12-13</a:t>
             </a:fld>
             <a:endParaRPr lang="ko-KR" altLang="en-US"/>
           </a:p>
@@ -2927,10 +2917,9 @@
           <a:lstStyle/>
           <a:p>
             <a:r>
-              <a:rPr lang="ko-KR" altLang="en-US" smtClean="0"/>
+              <a:rPr lang="ko-KR" altLang="en-US"/>
               <a:t>마스터 제목 스타일 편집</a:t>
             </a:r>
-            <a:endParaRPr lang="ko-KR" altLang="en-US"/>
           </a:p>
         </p:txBody>
       </p:sp>
@@ -2951,7 +2940,7 @@
           <a:p>
             <a:fld id="{8379F855-0080-4DEF-A343-53CC01D1B06E}" type="datetimeFigureOut">
               <a:rPr lang="ko-KR" altLang="en-US" smtClean="0"/>
-              <a:t>2025-12-12 Fri</a:t>
+              <a:t>2025-12-13</a:t>
             </a:fld>
             <a:endParaRPr lang="ko-KR" altLang="en-US"/>
           </a:p>
@@ -3046,7 +3035,7 @@
           <a:p>
             <a:fld id="{8379F855-0080-4DEF-A343-53CC01D1B06E}" type="datetimeFigureOut">
               <a:rPr lang="ko-KR" altLang="en-US" smtClean="0"/>
-              <a:t>2025-12-12 Fri</a:t>
+              <a:t>2025-12-13</a:t>
             </a:fld>
             <a:endParaRPr lang="ko-KR" altLang="en-US"/>
           </a:p>
@@ -3149,10 +3138,9 @@
           </a:lstStyle>
           <a:p>
             <a:r>
-              <a:rPr lang="ko-KR" altLang="en-US" smtClean="0"/>
+              <a:rPr lang="ko-KR" altLang="en-US"/>
               <a:t>마스터 제목 스타일 편집</a:t>
             </a:r>
-            <a:endParaRPr lang="ko-KR" altLang="en-US"/>
           </a:p>
         </p:txBody>
       </p:sp>
@@ -3206,38 +3194,37 @@
           <a:p>
             <a:pPr lvl="0"/>
             <a:r>
-              <a:rPr lang="ko-KR" altLang="en-US" smtClean="0"/>
+              <a:rPr lang="ko-KR" altLang="en-US"/>
               <a:t>마스터 텍스트 스타일 편집</a:t>
             </a:r>
           </a:p>
           <a:p>
             <a:pPr lvl="1"/>
             <a:r>
-              <a:rPr lang="ko-KR" altLang="en-US" smtClean="0"/>
+              <a:rPr lang="ko-KR" altLang="en-US"/>
               <a:t>둘째 수준</a:t>
             </a:r>
           </a:p>
           <a:p>
             <a:pPr lvl="2"/>
             <a:r>
-              <a:rPr lang="ko-KR" altLang="en-US" smtClean="0"/>
+              <a:rPr lang="ko-KR" altLang="en-US"/>
               <a:t>셋째 수준</a:t>
             </a:r>
           </a:p>
           <a:p>
             <a:pPr lvl="3"/>
             <a:r>
-              <a:rPr lang="ko-KR" altLang="en-US" smtClean="0"/>
+              <a:rPr lang="ko-KR" altLang="en-US"/>
               <a:t>넷째 수준</a:t>
             </a:r>
           </a:p>
           <a:p>
             <a:pPr lvl="4"/>
             <a:r>
-              <a:rPr lang="ko-KR" altLang="en-US" smtClean="0"/>
+              <a:rPr lang="ko-KR" altLang="en-US"/>
               <a:t>다섯째 수준</a:t>
             </a:r>
-            <a:endParaRPr lang="ko-KR" altLang="en-US"/>
           </a:p>
         </p:txBody>
       </p:sp>
@@ -3300,7 +3287,7 @@
           <a:p>
             <a:pPr lvl="0"/>
             <a:r>
-              <a:rPr lang="ko-KR" altLang="en-US" smtClean="0"/>
+              <a:rPr lang="ko-KR" altLang="en-US"/>
               <a:t>마스터 텍스트 스타일 편집</a:t>
             </a:r>
           </a:p>
@@ -3323,7 +3310,7 @@
           <a:p>
             <a:fld id="{8379F855-0080-4DEF-A343-53CC01D1B06E}" type="datetimeFigureOut">
               <a:rPr lang="ko-KR" altLang="en-US" smtClean="0"/>
-              <a:t>2025-12-12 Fri</a:t>
+              <a:t>2025-12-13</a:t>
             </a:fld>
             <a:endParaRPr lang="ko-KR" altLang="en-US"/>
           </a:p>
@@ -3426,10 +3413,9 @@
           </a:lstStyle>
           <a:p>
             <a:r>
-              <a:rPr lang="ko-KR" altLang="en-US" smtClean="0"/>
+              <a:rPr lang="ko-KR" altLang="en-US"/>
               <a:t>마스터 제목 스타일 편집</a:t>
             </a:r>
-            <a:endParaRPr lang="ko-KR" altLang="en-US"/>
           </a:p>
         </p:txBody>
       </p:sp>
@@ -3553,7 +3539,7 @@
           <a:p>
             <a:pPr lvl="0"/>
             <a:r>
-              <a:rPr lang="ko-KR" altLang="en-US" smtClean="0"/>
+              <a:rPr lang="ko-KR" altLang="en-US"/>
               <a:t>마스터 텍스트 스타일 편집</a:t>
             </a:r>
           </a:p>
@@ -3576,7 +3562,7 @@
           <a:p>
             <a:fld id="{8379F855-0080-4DEF-A343-53CC01D1B06E}" type="datetimeFigureOut">
               <a:rPr lang="ko-KR" altLang="en-US" smtClean="0"/>
-              <a:t>2025-12-12 Fri</a:t>
+              <a:t>2025-12-13</a:t>
             </a:fld>
             <a:endParaRPr lang="ko-KR" altLang="en-US"/>
           </a:p>
@@ -3685,10 +3671,9 @@
           <a:lstStyle/>
           <a:p>
             <a:r>
-              <a:rPr lang="ko-KR" altLang="en-US" smtClean="0"/>
+              <a:rPr lang="ko-KR" altLang="en-US"/>
               <a:t>마스터 제목 스타일 편집</a:t>
             </a:r>
-            <a:endParaRPr lang="ko-KR" altLang="en-US"/>
           </a:p>
         </p:txBody>
       </p:sp>
@@ -3719,38 +3704,37 @@
           <a:p>
             <a:pPr lvl="0"/>
             <a:r>
-              <a:rPr lang="ko-KR" altLang="en-US" smtClean="0"/>
+              <a:rPr lang="ko-KR" altLang="en-US"/>
               <a:t>마스터 텍스트 스타일 편집</a:t>
             </a:r>
           </a:p>
           <a:p>
             <a:pPr lvl="1"/>
             <a:r>
-              <a:rPr lang="ko-KR" altLang="en-US" smtClean="0"/>
+              <a:rPr lang="ko-KR" altLang="en-US"/>
               <a:t>둘째 수준</a:t>
             </a:r>
           </a:p>
           <a:p>
             <a:pPr lvl="2"/>
             <a:r>
-              <a:rPr lang="ko-KR" altLang="en-US" smtClean="0"/>
+              <a:rPr lang="ko-KR" altLang="en-US"/>
               <a:t>셋째 수준</a:t>
             </a:r>
           </a:p>
           <a:p>
             <a:pPr lvl="3"/>
             <a:r>
-              <a:rPr lang="ko-KR" altLang="en-US" smtClean="0"/>
+              <a:rPr lang="ko-KR" altLang="en-US"/>
               <a:t>넷째 수준</a:t>
             </a:r>
           </a:p>
           <a:p>
             <a:pPr lvl="4"/>
             <a:r>
-              <a:rPr lang="ko-KR" altLang="en-US" smtClean="0"/>
+              <a:rPr lang="ko-KR" altLang="en-US"/>
               <a:t>다섯째 수준</a:t>
             </a:r>
-            <a:endParaRPr lang="ko-KR" altLang="en-US"/>
           </a:p>
         </p:txBody>
       </p:sp>
@@ -3789,7 +3773,7 @@
           <a:p>
             <a:fld id="{8379F855-0080-4DEF-A343-53CC01D1B06E}" type="datetimeFigureOut">
               <a:rPr lang="ko-KR" altLang="en-US" smtClean="0"/>
-              <a:t>2025-12-12 Fri</a:t>
+              <a:t>2025-12-13</a:t>
             </a:fld>
             <a:endParaRPr lang="ko-KR" altLang="en-US"/>
           </a:p>
@@ -4695,7 +4679,7 @@
           <a:lstStyle/>
           <a:p>
             <a:r>
-              <a:rPr lang="en-US" altLang="ko-KR" dirty="0" smtClean="0"/>
+              <a:rPr lang="en-US" altLang="ko-KR" dirty="0"/>
               <a:t>HW</a:t>
             </a:r>
             <a:endParaRPr lang="ko-KR" altLang="en-US" dirty="0"/>
@@ -4718,14 +4702,13 @@
           <a:lstStyle/>
           <a:p>
             <a:r>
-              <a:rPr lang="en-US" altLang="ko-KR" dirty="0" smtClean="0"/>
+              <a:rPr lang="en-US" altLang="ko-KR" dirty="0"/>
               <a:t>2025/12/15</a:t>
             </a:r>
             <a:r>
-              <a:rPr lang="ko-KR" altLang="en-US" dirty="0" smtClean="0"/>
+              <a:rPr lang="ko-KR" altLang="en-US" dirty="0"/>
               <a:t>일 까지</a:t>
             </a:r>
-            <a:endParaRPr lang="ko-KR" altLang="en-US" dirty="0"/>
           </a:p>
         </p:txBody>
       </p:sp>
@@ -4788,19 +4771,19 @@
           <a:lstStyle/>
           <a:p>
             <a:r>
-              <a:rPr lang="ko-KR" altLang="en-US" dirty="0" smtClean="0"/>
+              <a:rPr lang="ko-KR" altLang="en-US" dirty="0"/>
               <a:t>패킷</a:t>
             </a:r>
             <a:r>
-              <a:rPr lang="en-US" altLang="ja-JP" dirty="0" smtClean="0"/>
+              <a:rPr lang="en-US" altLang="ja-JP" dirty="0"/>
               <a:t> </a:t>
             </a:r>
             <a:r>
-              <a:rPr lang="ko-KR" altLang="en-US" dirty="0" err="1" smtClean="0"/>
+              <a:rPr lang="ko-KR" altLang="en-US" dirty="0" err="1"/>
               <a:t>스위칭과</a:t>
             </a:r>
             <a:r>
-              <a:rPr lang="ko-KR" altLang="en-US" dirty="0" smtClean="0"/>
+              <a:rPr lang="ko-KR" altLang="en-US" dirty="0"/>
               <a:t> 회선 교환 비교</a:t>
             </a:r>
             <a:endParaRPr lang="en-US" dirty="0"/>
@@ -5029,7 +5012,7 @@
               <a:defRPr/>
             </a:pPr>
             <a:r>
-              <a:rPr kumimoji="0" lang="ko-KR" altLang="en-US" sz="2800" b="0" i="0" u="none" strike="noStrike" kern="1200" cap="none" spc="0" normalizeH="0" baseline="0" noProof="0" dirty="0" smtClean="0">
+              <a:rPr kumimoji="0" lang="ko-KR" altLang="en-US" sz="2800" b="0" i="0" u="none" strike="noStrike" kern="1200" cap="none" spc="0" normalizeH="0" baseline="0" noProof="0" dirty="0">
                 <a:ln>
                   <a:noFill/>
                 </a:ln>
@@ -5046,7 +5029,7 @@
               <a:t>예</a:t>
             </a:r>
             <a:r>
-              <a:rPr kumimoji="0" lang="en-US" altLang="en-US" sz="2800" b="0" i="0" u="none" strike="noStrike" kern="1200" cap="none" spc="0" normalizeH="0" baseline="0" noProof="0" dirty="0" smtClean="0">
+              <a:rPr kumimoji="0" lang="en-US" altLang="en-US" sz="2800" b="0" i="0" u="none" strike="noStrike" kern="1200" cap="none" spc="0" normalizeH="0" baseline="0" noProof="0" dirty="0">
                 <a:ln>
                   <a:noFill/>
                 </a:ln>
@@ -5062,20 +5045,6 @@
               </a:rPr>
               <a:t>:</a:t>
             </a:r>
-            <a:endParaRPr kumimoji="0" lang="en-US" altLang="en-US" sz="2800" b="0" i="0" u="none" strike="noStrike" kern="1200" cap="none" spc="0" normalizeH="0" baseline="0" noProof="0" dirty="0">
-              <a:ln>
-                <a:noFill/>
-              </a:ln>
-              <a:solidFill>
-                <a:prstClr val="black"/>
-              </a:solidFill>
-              <a:effectLst/>
-              <a:uLnTx/>
-              <a:uFillTx/>
-              <a:latin typeface="Calibri" panose="020F0502020204030204"/>
-              <a:ea typeface="ＭＳ Ｐゴシック" panose="020B0600070205080204" pitchFamily="34" charset="-128"/>
-              <a:cs typeface="+mn-cs"/>
-            </a:endParaRPr>
           </a:p>
           <a:p>
             <a:pPr marL="228600" marR="0" lvl="0" indent="-228600" algn="l" defTabSz="914400" rtl="0" eaLnBrk="1" fontAlgn="auto" latinLnBrk="0" hangingPunct="1">
@@ -5140,7 +5109,7 @@
               <a:defRPr/>
             </a:pPr>
             <a:r>
-              <a:rPr kumimoji="0" lang="ko-KR" altLang="en-US" sz="2400" b="0" i="0" u="none" strike="noStrike" kern="1200" cap="none" spc="0" normalizeH="0" baseline="0" noProof="0" dirty="0" smtClean="0">
+              <a:rPr kumimoji="0" lang="ko-KR" altLang="en-US" sz="2400" b="0" i="0" u="none" strike="noStrike" kern="1200" cap="none" spc="0" normalizeH="0" baseline="0" noProof="0" dirty="0">
                 <a:ln>
                   <a:noFill/>
                 </a:ln>
@@ -5157,7 +5126,7 @@
               <a:t>각 사용자</a:t>
             </a:r>
             <a:r>
-              <a:rPr kumimoji="0" lang="en-US" altLang="en-US" sz="2400" b="0" i="0" u="none" strike="noStrike" kern="1200" cap="none" spc="0" normalizeH="0" baseline="0" noProof="0" dirty="0" smtClean="0">
+              <a:rPr kumimoji="0" lang="en-US" altLang="en-US" sz="2400" b="0" i="0" u="none" strike="noStrike" kern="1200" cap="none" spc="0" normalizeH="0" baseline="0" noProof="0" dirty="0">
                 <a:ln>
                   <a:noFill/>
                 </a:ln>
@@ -5173,20 +5142,6 @@
               </a:rPr>
               <a:t>: </a:t>
             </a:r>
-            <a:endParaRPr kumimoji="0" lang="en-US" altLang="en-US" sz="2400" b="0" i="0" u="none" strike="noStrike" kern="1200" cap="none" spc="0" normalizeH="0" baseline="0" noProof="0" dirty="0">
-              <a:ln>
-                <a:noFill/>
-              </a:ln>
-              <a:solidFill>
-                <a:prstClr val="black"/>
-              </a:solidFill>
-              <a:effectLst/>
-              <a:uLnTx/>
-              <a:uFillTx/>
-              <a:latin typeface="Calibri" panose="020F0502020204030204"/>
-              <a:ea typeface="ＭＳ Ｐゴシック" panose="020B0600070205080204" pitchFamily="34" charset="-128"/>
-              <a:cs typeface="+mn-cs"/>
-            </a:endParaRPr>
           </a:p>
           <a:p>
             <a:pPr marL="514350" marR="0" lvl="1" indent="-217488" algn="l" defTabSz="914400" rtl="0" eaLnBrk="1" fontAlgn="auto" latinLnBrk="0" hangingPunct="1">
@@ -5211,7 +5166,7 @@
               <a:defRPr/>
             </a:pPr>
             <a:r>
-              <a:rPr kumimoji="0" lang="ko-KR" altLang="en-US" sz="2000" b="0" i="0" u="none" strike="noStrike" kern="1200" cap="none" spc="0" normalizeH="0" baseline="0" noProof="0" dirty="0" smtClean="0">
+              <a:rPr kumimoji="0" lang="ko-KR" altLang="en-US" sz="2000" b="0" i="0" u="none" strike="noStrike" kern="1200" cap="none" spc="0" normalizeH="0" baseline="0" noProof="0" dirty="0">
                 <a:ln>
                   <a:noFill/>
                 </a:ln>
@@ -5238,23 +5193,6 @@
               <a:t>시</a:t>
             </a:r>
             <a:r>
-              <a:rPr kumimoji="0" lang="en-US" altLang="en-US" sz="2000" b="0" i="0" u="none" strike="noStrike" kern="1200" cap="none" spc="0" normalizeH="0" baseline="0" noProof="0" dirty="0" smtClean="0">
-                <a:ln>
-                  <a:noFill/>
-                </a:ln>
-                <a:solidFill>
-                  <a:prstClr val="black"/>
-                </a:solidFill>
-                <a:effectLst/>
-                <a:uLnTx/>
-                <a:uFillTx/>
-                <a:latin typeface="Calibri" panose="020F0502020204030204"/>
-                <a:ea typeface="Arial" panose="020B0604020202020204" pitchFamily="34" charset="0"/>
-                <a:cs typeface="+mn-cs"/>
-              </a:rPr>
-              <a:t>100 </a:t>
-            </a:r>
-            <a:r>
               <a:rPr kumimoji="0" lang="en-US" altLang="en-US" sz="2000" b="0" i="0" u="none" strike="noStrike" kern="1200" cap="none" spc="0" normalizeH="0" baseline="0" noProof="0" dirty="0">
                 <a:ln>
                   <a:noFill/>
@@ -5269,7 +5207,7 @@
                 <a:ea typeface="Arial" panose="020B0604020202020204" pitchFamily="34" charset="0"/>
                 <a:cs typeface="+mn-cs"/>
               </a:rPr>
-              <a:t>Mb/s </a:t>
+              <a:t>100 Mb/s </a:t>
             </a:r>
             <a:endParaRPr kumimoji="0" lang="en-US" altLang="ja-JP" sz="2000" b="0" i="0" u="none" strike="noStrike" kern="1200" cap="none" spc="0" normalizeH="0" baseline="0" noProof="0" dirty="0">
               <a:ln>
@@ -5309,7 +5247,7 @@
               <a:defRPr/>
             </a:pPr>
             <a:r>
-              <a:rPr kumimoji="0" lang="ko-KR" altLang="en-US" sz="2000" b="0" i="0" u="none" strike="noStrike" kern="1200" cap="none" spc="0" normalizeH="0" baseline="0" noProof="0" dirty="0" smtClean="0">
+              <a:rPr kumimoji="0" lang="ko-KR" altLang="en-US" sz="2000" b="0" i="0" u="none" strike="noStrike" kern="1200" cap="none" spc="0" normalizeH="0" baseline="0" noProof="0" dirty="0">
                 <a:ln>
                   <a:noFill/>
                 </a:ln>
@@ -5326,23 +5264,6 @@
               <a:t>전체 시간의</a:t>
             </a:r>
             <a:r>
-              <a:rPr kumimoji="0" lang="en-US" altLang="en-US" sz="2000" b="0" i="0" u="none" strike="noStrike" kern="1200" cap="none" spc="0" normalizeH="0" baseline="0" noProof="0" dirty="0" smtClean="0">
-                <a:ln>
-                  <a:noFill/>
-                </a:ln>
-                <a:solidFill>
-                  <a:prstClr val="black"/>
-                </a:solidFill>
-                <a:effectLst/>
-                <a:uLnTx/>
-                <a:uFillTx/>
-                <a:latin typeface="Calibri" panose="020F0502020204030204"/>
-                <a:ea typeface="Arial" panose="020B0604020202020204" pitchFamily="34" charset="0"/>
-                <a:cs typeface="+mn-cs"/>
-              </a:rPr>
-              <a:t> </a:t>
-            </a:r>
-            <a:r>
               <a:rPr kumimoji="0" lang="en-US" altLang="en-US" sz="2000" b="0" i="0" u="none" strike="noStrike" kern="1200" cap="none" spc="0" normalizeH="0" baseline="0" noProof="0" dirty="0">
                 <a:ln>
                   <a:noFill/>
@@ -5357,10 +5278,10 @@
                 <a:ea typeface="Arial" panose="020B0604020202020204" pitchFamily="34" charset="0"/>
                 <a:cs typeface="+mn-cs"/>
               </a:rPr>
-              <a:t>10% </a:t>
+              <a:t> 10% </a:t>
             </a:r>
             <a:r>
-              <a:rPr kumimoji="0" lang="ko-KR" altLang="en-US" sz="2000" b="0" i="0" u="none" strike="noStrike" kern="1200" cap="none" spc="0" normalizeH="0" baseline="0" noProof="0" dirty="0" smtClean="0">
+              <a:rPr kumimoji="0" lang="ko-KR" altLang="en-US" sz="2000" b="0" i="0" u="none" strike="noStrike" kern="1200" cap="none" spc="0" normalizeH="0" baseline="0" noProof="0" dirty="0">
                 <a:ln>
                   <a:noFill/>
                 </a:ln>
@@ -5689,52 +5610,16 @@
               <a:t>Q: </a:t>
             </a:r>
             <a:r>
-              <a:rPr lang="ko-KR" altLang="en-US" sz="2000" dirty="0" smtClean="0">
-                <a:solidFill>
-                  <a:prstClr val="black"/>
-                </a:solidFill>
-                <a:ea typeface="ＭＳ Ｐゴシック" panose="020B0600070205080204" pitchFamily="34" charset="-128"/>
-              </a:rPr>
-              <a:t>회선 </a:t>
-            </a:r>
-            <a:r>
               <a:rPr lang="ko-KR" altLang="en-US" sz="2000" dirty="0">
                 <a:solidFill>
                   <a:prstClr val="black"/>
                 </a:solidFill>
                 <a:ea typeface="ＭＳ Ｐゴシック" panose="020B0600070205080204" pitchFamily="34" charset="-128"/>
               </a:rPr>
-              <a:t>교환 방식과 패킷 교환 </a:t>
+              <a:t>회선 교환 방식과 패킷 교환 방식 각각에서 얼마나 많은 사용자가 이 네트워크를 사용할 수 있는가 </a:t>
             </a:r>
             <a:r>
-              <a:rPr lang="ko-KR" altLang="en-US" sz="2000" dirty="0" smtClean="0">
-                <a:solidFill>
-                  <a:prstClr val="black"/>
-                </a:solidFill>
-                <a:ea typeface="ＭＳ Ｐゴシック" panose="020B0600070205080204" pitchFamily="34" charset="-128"/>
-              </a:rPr>
-              <a:t>방식 각각에서 얼마나 </a:t>
-            </a:r>
-            <a:r>
-              <a:rPr lang="ko-KR" altLang="en-US" sz="2000" dirty="0">
-                <a:solidFill>
-                  <a:prstClr val="black"/>
-                </a:solidFill>
-                <a:ea typeface="ＭＳ Ｐゴシック" panose="020B0600070205080204" pitchFamily="34" charset="-128"/>
-              </a:rPr>
-              <a:t>많은 </a:t>
-            </a:r>
-            <a:r>
-              <a:rPr lang="ko-KR" altLang="en-US" sz="2000" dirty="0" smtClean="0">
-                <a:solidFill>
-                  <a:prstClr val="black"/>
-                </a:solidFill>
-                <a:ea typeface="ＭＳ Ｐゴシック" panose="020B0600070205080204" pitchFamily="34" charset="-128"/>
-              </a:rPr>
-              <a:t>사용자가 이 네트워크를 사용할 수 있는가 </a:t>
-            </a:r>
-            <a:r>
-              <a:rPr kumimoji="0" lang="en-US" altLang="en-US" sz="2400" b="0" i="0" u="none" strike="noStrike" kern="1200" cap="none" spc="0" normalizeH="0" baseline="0" noProof="0" dirty="0" smtClean="0">
+              <a:rPr kumimoji="0" lang="en-US" altLang="en-US" sz="2400" b="0" i="0" u="none" strike="noStrike" kern="1200" cap="none" spc="0" normalizeH="0" baseline="0" noProof="0" dirty="0">
                 <a:ln>
                   <a:noFill/>
                 </a:ln>
@@ -5750,20 +5635,6 @@
               </a:rPr>
               <a:t>?</a:t>
             </a:r>
-            <a:endParaRPr kumimoji="0" lang="en-US" altLang="en-US" sz="2400" b="0" i="0" u="none" strike="noStrike" kern="1200" cap="none" spc="0" normalizeH="0" baseline="0" noProof="0" dirty="0">
-              <a:ln>
-                <a:noFill/>
-              </a:ln>
-              <a:solidFill>
-                <a:prstClr val="black"/>
-              </a:solidFill>
-              <a:effectLst/>
-              <a:uLnTx/>
-              <a:uFillTx/>
-              <a:latin typeface="Calibri" panose="020F0502020204030204"/>
-              <a:ea typeface="ＭＳ Ｐゴシック" panose="020B0600070205080204" pitchFamily="34" charset="-128"/>
-              <a:cs typeface="+mn-cs"/>
-            </a:endParaRPr>
           </a:p>
         </p:txBody>
       </p:sp>
@@ -10158,7 +10029,7 @@
               <a:defRPr/>
             </a:pPr>
             <a:r>
-              <a:rPr kumimoji="0" lang="ko-KR" altLang="en-US" sz="2800" b="0" i="1" u="none" strike="noStrike" kern="1200" cap="none" spc="0" normalizeH="0" baseline="0" noProof="0" dirty="0" smtClean="0">
+              <a:rPr kumimoji="0" lang="ko-KR" altLang="en-US" sz="2800" b="0" i="1" u="none" strike="noStrike" kern="1200" cap="none" spc="0" normalizeH="0" baseline="0" noProof="0" dirty="0">
                 <a:ln>
                   <a:noFill/>
                 </a:ln>
@@ -10175,7 +10046,7 @@
               <a:t>회선 교환</a:t>
             </a:r>
             <a:r>
-              <a:rPr kumimoji="0" lang="en-US" altLang="en-US" sz="2800" b="0" i="1" u="none" strike="noStrike" kern="1200" cap="none" spc="0" normalizeH="0" baseline="0" noProof="0" dirty="0" smtClean="0">
+              <a:rPr kumimoji="0" lang="en-US" altLang="en-US" sz="2800" b="0" i="1" u="none" strike="noStrike" kern="1200" cap="none" spc="0" normalizeH="0" baseline="0" noProof="0" dirty="0">
                 <a:ln>
                   <a:noFill/>
                 </a:ln>
@@ -10192,7 +10063,7 @@
               <a:t>:</a:t>
             </a:r>
             <a:r>
-              <a:rPr kumimoji="0" lang="en-US" altLang="en-US" sz="2800" b="0" i="0" u="none" strike="noStrike" kern="1200" cap="none" spc="0" normalizeH="0" baseline="0" noProof="0" dirty="0" smtClean="0">
+              <a:rPr kumimoji="0" lang="en-US" altLang="en-US" sz="2800" b="0" i="0" u="none" strike="noStrike" kern="1200" cap="none" spc="0" normalizeH="0" baseline="0" noProof="0" dirty="0">
                 <a:ln>
                   <a:noFill/>
                 </a:ln>
@@ -10517,7 +10388,7 @@
                   <a:t> </a:t>
                 </a:r>
                 <a:r>
-                  <a:rPr kumimoji="0" lang="en-US" altLang="en-US" b="0" i="0" u="none" strike="noStrike" kern="1200" cap="none" spc="0" normalizeH="0" baseline="0" noProof="0" dirty="0" smtClean="0">
+                  <a:rPr kumimoji="0" lang="en-US" altLang="en-US" b="0" i="0" u="none" strike="noStrike" kern="1200" cap="none" spc="0" normalizeH="0" baseline="0" noProof="0" dirty="0">
                     <a:ln>
                       <a:noFill/>
                     </a:ln>
@@ -10534,7 +10405,7 @@
                   <a:t>0.0004</a:t>
                 </a:r>
                 <a:r>
-                  <a:rPr kumimoji="0" lang="ko-KR" altLang="en-US" b="0" i="0" u="none" strike="noStrike" kern="1200" cap="none" spc="0" normalizeH="0" baseline="0" noProof="0" dirty="0" smtClean="0">
+                  <a:rPr kumimoji="0" lang="ko-KR" altLang="en-US" b="0" i="0" u="none" strike="noStrike" kern="1200" cap="none" spc="0" normalizeH="0" baseline="0" noProof="0" dirty="0">
                     <a:ln>
                       <a:noFill/>
                     </a:ln>
@@ -10551,7 +10422,7 @@
                   <a:t>라는 값을 어떻게 얻었는가</a:t>
                 </a:r>
                 <a:r>
-                  <a:rPr kumimoji="0" lang="en-US" altLang="en-US" b="0" i="0" u="none" strike="noStrike" kern="1200" cap="none" spc="0" normalizeH="0" baseline="0" noProof="0" dirty="0" smtClean="0">
+                  <a:rPr kumimoji="0" lang="en-US" altLang="en-US" b="0" i="0" u="none" strike="noStrike" kern="1200" cap="none" spc="0" normalizeH="0" baseline="0" noProof="0" dirty="0">
                     <a:ln>
                       <a:noFill/>
                     </a:ln>
@@ -10567,20 +10438,6 @@
                   </a:rPr>
                   <a:t>?</a:t>
                 </a:r>
-                <a:endParaRPr kumimoji="0" lang="en-US" altLang="en-US" b="0" i="0" u="none" strike="noStrike" kern="1200" cap="none" spc="0" normalizeH="0" baseline="0" noProof="0" dirty="0">
-                  <a:ln>
-                    <a:noFill/>
-                  </a:ln>
-                  <a:solidFill>
-                    <a:prstClr val="black"/>
-                  </a:solidFill>
-                  <a:effectLst/>
-                  <a:uLnTx/>
-                  <a:uFillTx/>
-                  <a:latin typeface="Calibri" panose="020F0502020204030204"/>
-                  <a:ea typeface="ＭＳ Ｐゴシック" panose="020B0600070205080204" pitchFamily="34" charset="-128"/>
-                  <a:cs typeface="+mn-cs"/>
-                </a:endParaRPr>
               </a:p>
             </p:txBody>
           </p:sp>
@@ -10794,7 +10651,7 @@
                   <a:t> </a:t>
                 </a:r>
                 <a:r>
-                  <a:rPr kumimoji="0" lang="ko-KR" altLang="en-US" sz="2800" b="0" i="0" u="none" strike="noStrike" kern="1200" cap="none" spc="0" normalizeH="0" baseline="0" noProof="0" dirty="0" smtClean="0">
+                  <a:rPr kumimoji="0" lang="ko-KR" altLang="en-US" sz="2800" b="0" i="0" u="none" strike="noStrike" kern="1200" cap="none" spc="0" normalizeH="0" baseline="0" noProof="0" dirty="0">
                     <a:ln>
                       <a:noFill/>
                     </a:ln>
@@ -11087,7 +10944,7 @@
                 <a:defRPr/>
               </a:pPr>
               <a:r>
-                <a:rPr kumimoji="0" lang="ko-KR" altLang="en-US" sz="2800" b="0" i="1" u="none" strike="noStrike" kern="1200" cap="none" spc="0" normalizeH="0" baseline="0" noProof="0" dirty="0" smtClean="0">
+                <a:rPr kumimoji="0" lang="ko-KR" altLang="en-US" sz="2800" b="0" i="1" u="none" strike="noStrike" kern="1200" cap="none" spc="0" normalizeH="0" baseline="0" noProof="0" dirty="0">
                   <a:ln>
                     <a:noFill/>
                   </a:ln>
@@ -11104,7 +10961,7 @@
                 <a:t>패킷 스위칭</a:t>
               </a:r>
               <a:r>
-                <a:rPr kumimoji="0" lang="en-US" altLang="en-US" sz="2800" b="0" i="1" u="none" strike="noStrike" kern="1200" cap="none" spc="0" normalizeH="0" baseline="0" noProof="0" dirty="0" smtClean="0">
+                <a:rPr kumimoji="0" lang="en-US" altLang="en-US" sz="2800" b="0" i="1" u="none" strike="noStrike" kern="1200" cap="none" spc="0" normalizeH="0" baseline="0" noProof="0" dirty="0">
                   <a:ln>
                     <a:noFill/>
                   </a:ln>
@@ -11121,7 +10978,7 @@
                 <a:t>:</a:t>
               </a:r>
               <a:r>
-                <a:rPr kumimoji="0" lang="en-US" altLang="en-US" sz="2800" b="0" i="0" u="none" strike="noStrike" kern="1200" cap="none" spc="0" normalizeH="0" baseline="0" noProof="0" dirty="0" smtClean="0">
+                <a:rPr kumimoji="0" lang="en-US" altLang="en-US" sz="2800" b="0" i="0" u="none" strike="noStrike" kern="1200" cap="none" spc="0" normalizeH="0" baseline="0" noProof="0" dirty="0">
                   <a:ln>
                     <a:noFill/>
                   </a:ln>
@@ -11138,7 +10995,7 @@
                 <a:t>  </a:t>
               </a:r>
               <a:r>
-                <a:rPr kumimoji="0" lang="en-US" altLang="en-US" sz="2400" b="0" i="0" u="none" strike="noStrike" kern="1200" cap="none" spc="0" normalizeH="0" baseline="0" noProof="0" dirty="0" smtClean="0">
+                <a:rPr kumimoji="0" lang="en-US" altLang="en-US" sz="2400" b="0" i="0" u="none" strike="noStrike" kern="1200" cap="none" spc="0" normalizeH="0" baseline="0" noProof="0" dirty="0">
                   <a:ln>
                     <a:noFill/>
                   </a:ln>
@@ -11152,7 +11009,24 @@
                   <a:ea typeface="Arial" panose="020B0604020202020204" pitchFamily="34" charset="0"/>
                   <a:cs typeface="+mn-cs"/>
                 </a:rPr>
-                <a:t> </a:t>
+                <a:t> 35 </a:t>
+              </a:r>
+              <a:r>
+                <a:rPr kumimoji="0" lang="ko-KR" altLang="en-US" sz="2400" b="0" i="0" u="none" strike="noStrike" kern="1200" cap="none" spc="0" normalizeH="0" baseline="0" noProof="0" dirty="0">
+                  <a:ln>
+                    <a:noFill/>
+                  </a:ln>
+                  <a:solidFill>
+                    <a:prstClr val="black"/>
+                  </a:solidFill>
+                  <a:effectLst/>
+                  <a:uLnTx/>
+                  <a:uFillTx/>
+                  <a:latin typeface="Calibri" panose="020F0502020204030204"/>
+                  <a:ea typeface="Arial" panose="020B0604020202020204" pitchFamily="34" charset="0"/>
+                  <a:cs typeface="+mn-cs"/>
+                </a:rPr>
+                <a:t>명의 사용자가 사용 시</a:t>
               </a:r>
               <a:r>
                 <a:rPr kumimoji="0" lang="en-US" altLang="en-US" sz="2400" b="0" i="0" u="none" strike="noStrike" kern="1200" cap="none" spc="0" normalizeH="0" baseline="0" noProof="0" dirty="0">
@@ -11169,44 +11043,10 @@
                   <a:ea typeface="Arial" panose="020B0604020202020204" pitchFamily="34" charset="0"/>
                   <a:cs typeface="+mn-cs"/>
                 </a:rPr>
-                <a:t>35 </a:t>
-              </a:r>
-              <a:r>
-                <a:rPr kumimoji="0" lang="ko-KR" altLang="en-US" sz="2400" b="0" i="0" u="none" strike="noStrike" kern="1200" cap="none" spc="0" normalizeH="0" baseline="0" noProof="0" dirty="0" smtClean="0">
-                  <a:ln>
-                    <a:noFill/>
-                  </a:ln>
-                  <a:solidFill>
-                    <a:prstClr val="black"/>
-                  </a:solidFill>
-                  <a:effectLst/>
-                  <a:uLnTx/>
-                  <a:uFillTx/>
-                  <a:latin typeface="Calibri" panose="020F0502020204030204"/>
-                  <a:ea typeface="Arial" panose="020B0604020202020204" pitchFamily="34" charset="0"/>
-                  <a:cs typeface="+mn-cs"/>
-                </a:rPr>
-                <a:t>명의 사용자가 사용 시</a:t>
-              </a:r>
-              <a:r>
-                <a:rPr kumimoji="0" lang="en-US" altLang="en-US" sz="2400" b="0" i="0" u="none" strike="noStrike" kern="1200" cap="none" spc="0" normalizeH="0" baseline="0" noProof="0" dirty="0" smtClean="0">
-                  <a:ln>
-                    <a:noFill/>
-                  </a:ln>
-                  <a:solidFill>
-                    <a:prstClr val="black"/>
-                  </a:solidFill>
-                  <a:effectLst/>
-                  <a:uLnTx/>
-                  <a:uFillTx/>
-                  <a:latin typeface="Calibri" panose="020F0502020204030204"/>
-                  <a:ea typeface="Arial" panose="020B0604020202020204" pitchFamily="34" charset="0"/>
-                  <a:cs typeface="+mn-cs"/>
-                </a:rPr>
                 <a:t>, </a:t>
               </a:r>
               <a:r>
-                <a:rPr kumimoji="0" lang="ko-KR" altLang="en-US" sz="2400" b="0" i="0" u="none" strike="noStrike" kern="1200" cap="none" spc="0" normalizeH="0" baseline="0" noProof="0" dirty="0" smtClean="0">
+                <a:rPr kumimoji="0" lang="ko-KR" altLang="en-US" sz="2400" b="0" i="0" u="none" strike="noStrike" kern="1200" cap="none" spc="0" normalizeH="0" baseline="0" noProof="0" dirty="0">
                   <a:ln>
                     <a:noFill/>
                   </a:ln>
@@ -11223,7 +11063,7 @@
                 <a:t>동시</a:t>
               </a:r>
               <a:r>
-                <a:rPr kumimoji="0" lang="ko-KR" altLang="en-US" sz="2400" b="0" i="0" u="none" strike="noStrike" kern="1200" cap="none" spc="0" normalizeH="0" noProof="0" dirty="0" smtClean="0">
+                <a:rPr kumimoji="0" lang="ko-KR" altLang="en-US" sz="2400" b="0" i="0" u="none" strike="noStrike" kern="1200" cap="none" spc="0" normalizeH="0" noProof="0" dirty="0">
                   <a:ln>
                     <a:noFill/>
                   </a:ln>
@@ -11240,7 +11080,7 @@
                 <a:t> 사용자가 </a:t>
               </a:r>
               <a:r>
-                <a:rPr kumimoji="0" lang="en-US" altLang="ko-KR" sz="2400" b="0" i="0" u="none" strike="noStrike" kern="1200" cap="none" spc="0" normalizeH="0" noProof="0" dirty="0" smtClean="0">
+                <a:rPr kumimoji="0" lang="en-US" altLang="ko-KR" sz="2400" b="0" i="0" u="none" strike="noStrike" kern="1200" cap="none" spc="0" normalizeH="0" noProof="0" dirty="0">
                   <a:ln>
                     <a:noFill/>
                   </a:ln>
@@ -11257,7 +11097,7 @@
                 <a:t>10</a:t>
               </a:r>
               <a:r>
-                <a:rPr lang="ko-KR" altLang="en-US" sz="2400" dirty="0" smtClean="0">
+                <a:rPr lang="ko-KR" altLang="en-US" sz="2400" dirty="0">
                   <a:solidFill>
                     <a:prstClr val="black"/>
                   </a:solidFill>
@@ -11267,7 +11107,7 @@
                 <a:t>명 보다 많을 확률은 </a:t>
               </a:r>
               <a:r>
-                <a:rPr kumimoji="0" lang="en-US" altLang="en-US" sz="2400" b="0" i="0" u="none" strike="noStrike" kern="1200" cap="none" spc="0" normalizeH="0" baseline="0" noProof="0" dirty="0" smtClean="0">
+                <a:rPr kumimoji="0" lang="en-US" altLang="en-US" sz="2400" b="0" i="0" u="none" strike="noStrike" kern="1200" cap="none" spc="0" normalizeH="0" baseline="0" noProof="0" dirty="0">
                   <a:ln>
                     <a:noFill/>
                   </a:ln>
@@ -11284,7 +11124,7 @@
                 <a:t>.0004 </a:t>
               </a:r>
               <a:r>
-                <a:rPr kumimoji="0" lang="ko-KR" altLang="en-US" sz="2400" b="0" i="0" u="none" strike="noStrike" kern="1200" cap="none" spc="0" normalizeH="0" baseline="0" noProof="0" dirty="0" smtClean="0">
+                <a:rPr kumimoji="0" lang="ko-KR" altLang="en-US" sz="2400" b="0" i="0" u="none" strike="noStrike" kern="1200" cap="none" spc="0" normalizeH="0" baseline="0" noProof="0" dirty="0">
                   <a:ln>
                     <a:noFill/>
                   </a:ln>
@@ -11301,23 +11141,6 @@
                 <a:t>보다 작다</a:t>
               </a:r>
               <a:r>
-                <a:rPr kumimoji="0" lang="en-US" altLang="en-US" sz="2400" b="0" i="0" u="none" strike="noStrike" kern="1200" cap="none" spc="0" normalizeH="0" baseline="0" noProof="0" dirty="0" smtClean="0">
-                  <a:ln>
-                    <a:noFill/>
-                  </a:ln>
-                  <a:solidFill>
-                    <a:prstClr val="black"/>
-                  </a:solidFill>
-                  <a:effectLst/>
-                  <a:uLnTx/>
-                  <a:uFillTx/>
-                  <a:latin typeface="Calibri" panose="020F0502020204030204"/>
-                  <a:ea typeface="Arial" panose="020B0604020202020204" pitchFamily="34" charset="0"/>
-                  <a:cs typeface="+mn-cs"/>
-                </a:rPr>
-                <a:t> </a:t>
-              </a:r>
-              <a:r>
                 <a:rPr kumimoji="0" lang="en-US" altLang="en-US" sz="2400" b="0" i="0" u="none" strike="noStrike" kern="1200" cap="none" spc="0" normalizeH="0" baseline="0" noProof="0" dirty="0">
                   <a:ln>
                     <a:noFill/>
@@ -11332,7 +11155,7 @@
                   <a:ea typeface="Arial" panose="020B0604020202020204" pitchFamily="34" charset="0"/>
                   <a:cs typeface="+mn-cs"/>
                 </a:rPr>
-                <a:t>*</a:t>
+                <a:t> *</a:t>
               </a:r>
             </a:p>
             <a:p>
@@ -11641,6 +11464,585 @@
       <p:bldP spid="32" grpId="0"/>
     </p:bldLst>
   </p:timing>
+</p:sld>
+</file>
+
+<file path=ppt/slides/slide3.xml><?xml version="1.0" encoding="utf-8"?>
+<p:sld xmlns:a="http://schemas.openxmlformats.org/drawingml/2006/main" xmlns:r="http://schemas.openxmlformats.org/officeDocument/2006/relationships" xmlns:p="http://schemas.openxmlformats.org/presentationml/2006/main">
+  <p:cSld>
+    <p:spTree>
+      <p:nvGrpSpPr>
+        <p:cNvPr id="1" name=""/>
+        <p:cNvGrpSpPr/>
+        <p:nvPr/>
+      </p:nvGrpSpPr>
+      <p:grpSpPr>
+        <a:xfrm>
+          <a:off x="0" y="0"/>
+          <a:ext cx="0" cy="0"/>
+          <a:chOff x="0" y="0"/>
+          <a:chExt cx="0" cy="0"/>
+        </a:xfrm>
+      </p:grpSpPr>
+      <mc:AlternateContent xmlns:mc="http://schemas.openxmlformats.org/markup-compatibility/2006">
+        <mc:Choice xmlns:a14="http://schemas.microsoft.com/office/drawing/2010/main" Requires="a14">
+          <p:sp>
+            <p:nvSpPr>
+              <p:cNvPr id="3" name="내용 개체 틀 2">
+                <a:extLst>
+                  <a:ext uri="{FF2B5EF4-FFF2-40B4-BE49-F238E27FC236}">
+                    <a16:creationId xmlns:a16="http://schemas.microsoft.com/office/drawing/2014/main" id="{5111D7D4-EF78-8181-8845-D81DAE5F745D}"/>
+                  </a:ext>
+                </a:extLst>
+              </p:cNvPr>
+              <p:cNvSpPr>
+                <a:spLocks noGrp="1"/>
+              </p:cNvSpPr>
+              <p:nvPr>
+                <p:ph sz="half" idx="1"/>
+              </p:nvPr>
+            </p:nvSpPr>
+            <p:spPr>
+              <a:xfrm>
+                <a:off x="838200" y="556054"/>
+                <a:ext cx="10727724" cy="5620909"/>
+              </a:xfrm>
+            </p:spPr>
+            <p:txBody>
+              <a:bodyPr/>
+              <a:lstStyle/>
+              <a:p>
+                <a:pPr>
+                  <a:lnSpc>
+                    <a:spcPct val="150000"/>
+                  </a:lnSpc>
+                </a:pPr>
+                <a:r>
+                  <a:rPr lang="ko-KR" altLang="en-US" b="1" dirty="0">
+                    <a:latin typeface="Pretendard" panose="02000503000000020004" pitchFamily="50" charset="-127"/>
+                    <a:ea typeface="Pretendard" panose="02000503000000020004" pitchFamily="50" charset="-127"/>
+                    <a:cs typeface="Pretendard" panose="02000503000000020004" pitchFamily="50" charset="-127"/>
+                  </a:rPr>
+                  <a:t> </a:t>
+                </a:r>
+                <a:r>
+                  <a:rPr lang="ko-KR" altLang="en-US" sz="2400" b="1" dirty="0">
+                    <a:latin typeface="Pretendard" panose="02000503000000020004" pitchFamily="50" charset="-127"/>
+                    <a:ea typeface="Pretendard" panose="02000503000000020004" pitchFamily="50" charset="-127"/>
+                    <a:cs typeface="Pretendard" panose="02000503000000020004" pitchFamily="50" charset="-127"/>
+                  </a:rPr>
+                  <a:t>동시에 활성</a:t>
+                </a:r>
+                <a:r>
+                  <a:rPr lang="en-US" altLang="ko-KR" sz="2400" b="1" dirty="0">
+                    <a:latin typeface="Pretendard" panose="02000503000000020004" pitchFamily="50" charset="-127"/>
+                    <a:ea typeface="Pretendard" panose="02000503000000020004" pitchFamily="50" charset="-127"/>
+                    <a:cs typeface="Pretendard" panose="02000503000000020004" pitchFamily="50" charset="-127"/>
+                  </a:rPr>
+                  <a:t>(active) </a:t>
+                </a:r>
+                <a:r>
+                  <a:rPr lang="ko-KR" altLang="en-US" sz="2400" b="1" dirty="0">
+                    <a:latin typeface="Pretendard" panose="02000503000000020004" pitchFamily="50" charset="-127"/>
+                    <a:ea typeface="Pretendard" panose="02000503000000020004" pitchFamily="50" charset="-127"/>
+                    <a:cs typeface="Pretendard" panose="02000503000000020004" pitchFamily="50" charset="-127"/>
+                  </a:rPr>
+                  <a:t>상태인 사용자 수의 확률 분포</a:t>
+                </a:r>
+                <a:r>
+                  <a:rPr lang="ko-KR" altLang="en-US" sz="2400" dirty="0">
+                    <a:latin typeface="Pretendard" panose="02000503000000020004" pitchFamily="50" charset="-127"/>
+                    <a:ea typeface="Pretendard" panose="02000503000000020004" pitchFamily="50" charset="-127"/>
+                    <a:cs typeface="Pretendard" panose="02000503000000020004" pitchFamily="50" charset="-127"/>
+                  </a:rPr>
+                  <a:t> 계산 </a:t>
+                </a:r>
+                <a:endParaRPr lang="en-US" altLang="ko-KR" sz="2400" dirty="0">
+                  <a:latin typeface="Pretendard" panose="02000503000000020004" pitchFamily="50" charset="-127"/>
+                  <a:ea typeface="Pretendard" panose="02000503000000020004" pitchFamily="50" charset="-127"/>
+                  <a:cs typeface="Pretendard" panose="02000503000000020004" pitchFamily="50" charset="-127"/>
+                </a:endParaRPr>
+              </a:p>
+              <a:p>
+                <a:pPr lvl="1">
+                  <a:lnSpc>
+                    <a:spcPct val="150000"/>
+                  </a:lnSpc>
+                </a:pPr>
+                <a:r>
+                  <a:rPr lang="en-US" altLang="ko-KR" sz="2000" dirty="0">
+                    <a:latin typeface="Pretendard" panose="02000503000000020004" pitchFamily="50" charset="-127"/>
+                    <a:ea typeface="Pretendard" panose="02000503000000020004" pitchFamily="50" charset="-127"/>
+                    <a:cs typeface="Pretendard" panose="02000503000000020004" pitchFamily="50" charset="-127"/>
+                  </a:rPr>
+                  <a:t>11</a:t>
+                </a:r>
+                <a:r>
+                  <a:rPr lang="ko-KR" altLang="en-US" sz="2000" dirty="0">
+                    <a:latin typeface="Pretendard" panose="02000503000000020004" pitchFamily="50" charset="-127"/>
+                    <a:ea typeface="Pretendard" panose="02000503000000020004" pitchFamily="50" charset="-127"/>
+                    <a:cs typeface="Pretendard" panose="02000503000000020004" pitchFamily="50" charset="-127"/>
+                  </a:rPr>
+                  <a:t>명 이상이면 링크가 과부하</a:t>
+                </a:r>
+                <a:endParaRPr lang="en-US" altLang="ko-KR" sz="2000" dirty="0">
+                  <a:latin typeface="Pretendard" panose="02000503000000020004" pitchFamily="50" charset="-127"/>
+                  <a:ea typeface="Pretendard" panose="02000503000000020004" pitchFamily="50" charset="-127"/>
+                  <a:cs typeface="Pretendard" panose="02000503000000020004" pitchFamily="50" charset="-127"/>
+                </a:endParaRPr>
+              </a:p>
+              <a:p>
+                <a:pPr lvl="1">
+                  <a:lnSpc>
+                    <a:spcPct val="150000"/>
+                  </a:lnSpc>
+                </a:pPr>
+                <a:r>
+                  <a:rPr lang="ko-KR" altLang="en-US" sz="2000" dirty="0">
+                    <a:latin typeface="Pretendard" panose="02000503000000020004" pitchFamily="50" charset="-127"/>
+                    <a:ea typeface="Pretendard" panose="02000503000000020004" pitchFamily="50" charset="-127"/>
+                    <a:cs typeface="Pretendard" panose="02000503000000020004" pitchFamily="50" charset="-127"/>
+                  </a:rPr>
+                  <a:t>이항 분포식으로 계산</a:t>
+                </a:r>
+                <a:endParaRPr lang="en-US" altLang="ko-KR" sz="2000" dirty="0">
+                  <a:latin typeface="Pretendard" panose="02000503000000020004" pitchFamily="50" charset="-127"/>
+                  <a:ea typeface="Pretendard" panose="02000503000000020004" pitchFamily="50" charset="-127"/>
+                  <a:cs typeface="Pretendard" panose="02000503000000020004" pitchFamily="50" charset="-127"/>
+                </a:endParaRPr>
+              </a:p>
+              <a:p>
+                <a:pPr lvl="1">
+                  <a:lnSpc>
+                    <a:spcPct val="150000"/>
+                  </a:lnSpc>
+                </a:pPr>
+                <a:endParaRPr lang="en-US" altLang="ko-KR" sz="1800" dirty="0">
+                  <a:latin typeface="Pretendard" panose="02000503000000020004" pitchFamily="50" charset="-127"/>
+                  <a:ea typeface="Pretendard" panose="02000503000000020004" pitchFamily="50" charset="-127"/>
+                  <a:cs typeface="Pretendard" panose="02000503000000020004" pitchFamily="50" charset="-127"/>
+                </a:endParaRPr>
+              </a:p>
+              <a:p>
+                <a:pPr lvl="1">
+                  <a:lnSpc>
+                    <a:spcPct val="150000"/>
+                  </a:lnSpc>
+                </a:pPr>
+                <a:endParaRPr lang="en-US" altLang="ko-KR" sz="1800" dirty="0">
+                  <a:latin typeface="Pretendard" panose="02000503000000020004" pitchFamily="50" charset="-127"/>
+                  <a:ea typeface="Pretendard" panose="02000503000000020004" pitchFamily="50" charset="-127"/>
+                  <a:cs typeface="Pretendard" panose="02000503000000020004" pitchFamily="50" charset="-127"/>
+                </a:endParaRPr>
+              </a:p>
+              <a:p>
+                <a:pPr lvl="2">
+                  <a:lnSpc>
+                    <a:spcPct val="150000"/>
+                  </a:lnSpc>
+                </a:pPr>
+                <a:r>
+                  <a:rPr lang="ko-KR" altLang="en-US" sz="1600" dirty="0"/>
+                  <a:t>동시에 활성인 사용자 수를 확률변수 </a:t>
+                </a:r>
+                <a14:m>
+                  <m:oMath xmlns:m="http://schemas.openxmlformats.org/officeDocument/2006/math">
+                    <m:r>
+                      <a:rPr lang="ko-KR" altLang="en-US" sz="1600" i="1"/>
+                      <m:t>𝑋</m:t>
+                    </m:r>
+                  </m:oMath>
+                </a14:m>
+                <a:endParaRPr lang="en-US" altLang="ko-KR" sz="1600" dirty="0">
+                  <a:latin typeface="Pretendard" panose="02000503000000020004" pitchFamily="50" charset="-127"/>
+                  <a:ea typeface="Pretendard" panose="02000503000000020004" pitchFamily="50" charset="-127"/>
+                  <a:cs typeface="Pretendard" panose="02000503000000020004" pitchFamily="50" charset="-127"/>
+                </a:endParaRPr>
+              </a:p>
+              <a:p>
+                <a:pPr lvl="2">
+                  <a:lnSpc>
+                    <a:spcPct val="150000"/>
+                  </a:lnSpc>
+                </a:pPr>
+                <a:r>
+                  <a:rPr lang="ko-KR" altLang="en-US" sz="1600" dirty="0"/>
+                  <a:t>이항분포 꼬리확률을 계산하면  </a:t>
+                </a:r>
+                <a:r>
+                  <a:rPr lang="en-US" altLang="ko-KR" sz="1600" dirty="0">
+                    <a:latin typeface="Pretendard" panose="02000503000000020004" pitchFamily="50" charset="-127"/>
+                    <a:ea typeface="Pretendard" panose="02000503000000020004" pitchFamily="50" charset="-127"/>
+                    <a:cs typeface="Pretendard" panose="02000503000000020004" pitchFamily="50" charset="-127"/>
+                  </a:rPr>
+                  <a:t>P(X&gt;10)≈3.7×10</a:t>
+                </a:r>
+                <a:r>
+                  <a:rPr lang="en-US" altLang="ko-KR" sz="1600" baseline="30000" dirty="0">
+                    <a:latin typeface="Pretendard" panose="02000503000000020004" pitchFamily="50" charset="-127"/>
+                    <a:ea typeface="Pretendard" panose="02000503000000020004" pitchFamily="50" charset="-127"/>
+                    <a:cs typeface="Pretendard" panose="02000503000000020004" pitchFamily="50" charset="-127"/>
+                  </a:rPr>
+                  <a:t>−4 </a:t>
+                </a:r>
+              </a:p>
+              <a:p>
+                <a:pPr lvl="2">
+                  <a:lnSpc>
+                    <a:spcPct val="150000"/>
+                  </a:lnSpc>
+                </a:pPr>
+                <a:r>
+                  <a:rPr lang="en-US" altLang="ko-KR" sz="1600" dirty="0">
+                    <a:latin typeface="Pretendard" panose="02000503000000020004" pitchFamily="50" charset="-127"/>
+                    <a:ea typeface="Pretendard" panose="02000503000000020004" pitchFamily="50" charset="-127"/>
+                    <a:cs typeface="Pretendard" panose="02000503000000020004" pitchFamily="50" charset="-127"/>
+                  </a:rPr>
+                  <a:t>P(X&gt;10)≈0.00037&lt;0.0004 = </a:t>
+                </a:r>
+                <a:r>
+                  <a:rPr lang="ko-KR" altLang="en-US" sz="1600" dirty="0">
+                    <a:latin typeface="Pretendard" panose="02000503000000020004" pitchFamily="50" charset="-127"/>
+                    <a:ea typeface="Pretendard" panose="02000503000000020004" pitchFamily="50" charset="-127"/>
+                    <a:cs typeface="Pretendard" panose="02000503000000020004" pitchFamily="50" charset="-127"/>
+                  </a:rPr>
+                  <a:t>동시 사용자가 </a:t>
+                </a:r>
+                <a:r>
+                  <a:rPr lang="en-US" altLang="ko-KR" sz="1600" dirty="0">
+                    <a:latin typeface="Pretendard" panose="02000503000000020004" pitchFamily="50" charset="-127"/>
+                    <a:ea typeface="Pretendard" panose="02000503000000020004" pitchFamily="50" charset="-127"/>
+                    <a:cs typeface="Pretendard" panose="02000503000000020004" pitchFamily="50" charset="-127"/>
+                  </a:rPr>
+                  <a:t>10</a:t>
+                </a:r>
+                <a:r>
+                  <a:rPr lang="ko-KR" altLang="en-US" sz="1600" dirty="0">
+                    <a:latin typeface="Pretendard" panose="02000503000000020004" pitchFamily="50" charset="-127"/>
+                    <a:ea typeface="Pretendard" panose="02000503000000020004" pitchFamily="50" charset="-127"/>
+                    <a:cs typeface="Pretendard" panose="02000503000000020004" pitchFamily="50" charset="-127"/>
+                  </a:rPr>
+                  <a:t>명보다 많을 확률은 </a:t>
+                </a:r>
+                <a:r>
+                  <a:rPr lang="en-US" altLang="ko-KR" sz="1600" dirty="0">
+                    <a:latin typeface="Pretendard" panose="02000503000000020004" pitchFamily="50" charset="-127"/>
+                    <a:ea typeface="Pretendard" panose="02000503000000020004" pitchFamily="50" charset="-127"/>
+                    <a:cs typeface="Pretendard" panose="02000503000000020004" pitchFamily="50" charset="-127"/>
+                  </a:rPr>
+                  <a:t>0.0004</a:t>
+                </a:r>
+                <a:r>
+                  <a:rPr lang="ko-KR" altLang="en-US" sz="1600" dirty="0">
+                    <a:latin typeface="Pretendard" panose="02000503000000020004" pitchFamily="50" charset="-127"/>
+                    <a:ea typeface="Pretendard" panose="02000503000000020004" pitchFamily="50" charset="-127"/>
+                    <a:cs typeface="Pretendard" panose="02000503000000020004" pitchFamily="50" charset="-127"/>
+                  </a:rPr>
+                  <a:t>보다 작다</a:t>
+                </a:r>
+                <a:endParaRPr lang="en-US" altLang="ko-KR" sz="1600" dirty="0">
+                  <a:latin typeface="Pretendard" panose="02000503000000020004" pitchFamily="50" charset="-127"/>
+                  <a:ea typeface="Pretendard" panose="02000503000000020004" pitchFamily="50" charset="-127"/>
+                  <a:cs typeface="Pretendard" panose="02000503000000020004" pitchFamily="50" charset="-127"/>
+                </a:endParaRPr>
+              </a:p>
+              <a:p>
+                <a:pPr lvl="2">
+                  <a:lnSpc>
+                    <a:spcPct val="150000"/>
+                  </a:lnSpc>
+                </a:pPr>
+                <a:r>
+                  <a:rPr lang="ko-KR" altLang="en-US" sz="1600" dirty="0">
+                    <a:latin typeface="Pretendard" panose="02000503000000020004" pitchFamily="50" charset="-127"/>
+                    <a:ea typeface="Pretendard" panose="02000503000000020004" pitchFamily="50" charset="-127"/>
+                    <a:cs typeface="Pretendard" panose="02000503000000020004" pitchFamily="50" charset="-127"/>
+                  </a:rPr>
+                  <a:t>평균 활성 사용자 수는 </a:t>
+                </a:r>
+                <a:r>
+                  <a:rPr lang="en-US" altLang="ko-KR" sz="1600" dirty="0">
+                    <a:latin typeface="Pretendard" panose="02000503000000020004" pitchFamily="50" charset="-127"/>
+                    <a:ea typeface="Pretendard" panose="02000503000000020004" pitchFamily="50" charset="-127"/>
+                    <a:cs typeface="Pretendard" panose="02000503000000020004" pitchFamily="50" charset="-127"/>
+                  </a:rPr>
+                  <a:t>3.5 </a:t>
+                </a:r>
+                <a:r>
+                  <a:rPr lang="ko-KR" altLang="en-US" sz="1600" dirty="0">
+                    <a:latin typeface="Pretendard" panose="02000503000000020004" pitchFamily="50" charset="-127"/>
+                    <a:ea typeface="Pretendard" panose="02000503000000020004" pitchFamily="50" charset="-127"/>
+                    <a:cs typeface="Pretendard" panose="02000503000000020004" pitchFamily="50" charset="-127"/>
+                  </a:rPr>
+                  <a:t>명으로 허용 한계</a:t>
+                </a:r>
+                <a:r>
+                  <a:rPr lang="en-US" altLang="ko-KR" sz="1600" dirty="0">
+                    <a:latin typeface="Pretendard" panose="02000503000000020004" pitchFamily="50" charset="-127"/>
+                    <a:ea typeface="Pretendard" panose="02000503000000020004" pitchFamily="50" charset="-127"/>
+                    <a:cs typeface="Pretendard" panose="02000503000000020004" pitchFamily="50" charset="-127"/>
+                  </a:rPr>
+                  <a:t>(10</a:t>
+                </a:r>
+                <a:r>
+                  <a:rPr lang="ko-KR" altLang="en-US" sz="1600" dirty="0">
+                    <a:latin typeface="Pretendard" panose="02000503000000020004" pitchFamily="50" charset="-127"/>
+                    <a:ea typeface="Pretendard" panose="02000503000000020004" pitchFamily="50" charset="-127"/>
+                    <a:cs typeface="Pretendard" panose="02000503000000020004" pitchFamily="50" charset="-127"/>
+                  </a:rPr>
+                  <a:t>명</a:t>
+                </a:r>
+                <a:r>
+                  <a:rPr lang="en-US" altLang="ko-KR" sz="1600" dirty="0">
+                    <a:latin typeface="Pretendard" panose="02000503000000020004" pitchFamily="50" charset="-127"/>
+                    <a:ea typeface="Pretendard" panose="02000503000000020004" pitchFamily="50" charset="-127"/>
+                    <a:cs typeface="Pretendard" panose="02000503000000020004" pitchFamily="50" charset="-127"/>
+                  </a:rPr>
+                  <a:t>)</a:t>
+                </a:r>
+                <a:r>
+                  <a:rPr lang="ko-KR" altLang="en-US" sz="1600" dirty="0">
+                    <a:latin typeface="Pretendard" panose="02000503000000020004" pitchFamily="50" charset="-127"/>
+                    <a:ea typeface="Pretendard" panose="02000503000000020004" pitchFamily="50" charset="-127"/>
+                    <a:cs typeface="Pretendard" panose="02000503000000020004" pitchFamily="50" charset="-127"/>
+                  </a:rPr>
+                  <a:t>보다 훨씬 낮아서  </a:t>
+                </a:r>
+                <a:r>
+                  <a:rPr lang="en-US" altLang="ko-KR" sz="1600" dirty="0">
+                    <a:latin typeface="Pretendard" panose="02000503000000020004" pitchFamily="50" charset="-127"/>
+                    <a:ea typeface="Pretendard" panose="02000503000000020004" pitchFamily="50" charset="-127"/>
+                    <a:cs typeface="Pretendard" panose="02000503000000020004" pitchFamily="50" charset="-127"/>
+                  </a:rPr>
+                  <a:t>11</a:t>
+                </a:r>
+                <a:r>
+                  <a:rPr lang="ko-KR" altLang="en-US" sz="1600" dirty="0">
+                    <a:latin typeface="Pretendard" panose="02000503000000020004" pitchFamily="50" charset="-127"/>
+                    <a:ea typeface="Pretendard" panose="02000503000000020004" pitchFamily="50" charset="-127"/>
+                    <a:cs typeface="Pretendard" panose="02000503000000020004" pitchFamily="50" charset="-127"/>
+                  </a:rPr>
+                  <a:t>명 이상이 동시에 활성일 확률은 매우 작음</a:t>
+                </a:r>
+                <a:endParaRPr lang="en-US" altLang="ko-KR" sz="1600" dirty="0">
+                  <a:latin typeface="Pretendard" panose="02000503000000020004" pitchFamily="50" charset="-127"/>
+                  <a:ea typeface="Pretendard" panose="02000503000000020004" pitchFamily="50" charset="-127"/>
+                  <a:cs typeface="Pretendard" panose="02000503000000020004" pitchFamily="50" charset="-127"/>
+                </a:endParaRPr>
+              </a:p>
+              <a:p>
+                <a:pPr lvl="1">
+                  <a:lnSpc>
+                    <a:spcPct val="150000"/>
+                  </a:lnSpc>
+                </a:pPr>
+                <a:r>
+                  <a:rPr lang="ko-KR" altLang="en-US" sz="2000" dirty="0">
+                    <a:latin typeface="Pretendard" panose="02000503000000020004" pitchFamily="50" charset="-127"/>
+                    <a:ea typeface="Pretendard" panose="02000503000000020004" pitchFamily="50" charset="-127"/>
+                    <a:cs typeface="Pretendard" panose="02000503000000020004" pitchFamily="50" charset="-127"/>
+                  </a:rPr>
+                  <a:t>결론</a:t>
+                </a:r>
+                <a:r>
+                  <a:rPr lang="en-US" altLang="ko-KR" sz="2000" dirty="0">
+                    <a:latin typeface="Pretendard" panose="02000503000000020004" pitchFamily="50" charset="-127"/>
+                    <a:ea typeface="Pretendard" panose="02000503000000020004" pitchFamily="50" charset="-127"/>
+                    <a:cs typeface="Pretendard" panose="02000503000000020004" pitchFamily="50" charset="-127"/>
+                  </a:rPr>
+                  <a:t> : </a:t>
+                </a:r>
+                <a:r>
+                  <a:rPr lang="ko-KR" altLang="en-US" sz="2000" dirty="0">
+                    <a:latin typeface="Pretendard" panose="02000503000000020004" pitchFamily="50" charset="-127"/>
+                    <a:ea typeface="Pretendard" panose="02000503000000020004" pitchFamily="50" charset="-127"/>
+                    <a:cs typeface="Pretendard" panose="02000503000000020004" pitchFamily="50" charset="-127"/>
+                  </a:rPr>
+                  <a:t>사용자들이 항상 쓰는 게 아니니까</a:t>
+                </a:r>
+                <a:r>
+                  <a:rPr lang="en-US" altLang="ko-KR" sz="2000" dirty="0">
+                    <a:latin typeface="Pretendard" panose="02000503000000020004" pitchFamily="50" charset="-127"/>
+                    <a:ea typeface="Pretendard" panose="02000503000000020004" pitchFamily="50" charset="-127"/>
+                    <a:cs typeface="Pretendard" panose="02000503000000020004" pitchFamily="50" charset="-127"/>
+                  </a:rPr>
+                  <a:t>, </a:t>
+                </a:r>
+                <a:r>
+                  <a:rPr lang="ko-KR" altLang="en-US" sz="2000" dirty="0">
+                    <a:latin typeface="Pretendard" panose="02000503000000020004" pitchFamily="50" charset="-127"/>
+                    <a:ea typeface="Pretendard" panose="02000503000000020004" pitchFamily="50" charset="-127"/>
+                    <a:cs typeface="Pretendard" panose="02000503000000020004" pitchFamily="50" charset="-127"/>
+                  </a:rPr>
+                  <a:t>확률적으로 보면 </a:t>
+                </a:r>
+                <a:r>
+                  <a:rPr lang="en-US" altLang="ko-KR" sz="2000" dirty="0">
+                    <a:latin typeface="Pretendard" panose="02000503000000020004" pitchFamily="50" charset="-127"/>
+                    <a:ea typeface="Pretendard" panose="02000503000000020004" pitchFamily="50" charset="-127"/>
+                    <a:cs typeface="Pretendard" panose="02000503000000020004" pitchFamily="50" charset="-127"/>
+                  </a:rPr>
+                  <a:t>35</a:t>
+                </a:r>
+                <a:r>
+                  <a:rPr lang="ko-KR" altLang="en-US" sz="2000" dirty="0">
+                    <a:latin typeface="Pretendard" panose="02000503000000020004" pitchFamily="50" charset="-127"/>
+                    <a:ea typeface="Pretendard" panose="02000503000000020004" pitchFamily="50" charset="-127"/>
+                    <a:cs typeface="Pretendard" panose="02000503000000020004" pitchFamily="50" charset="-127"/>
+                  </a:rPr>
+                  <a:t>명도 충분히 감당 가능해서 패킷 교환이 효율적이고</a:t>
+                </a:r>
+                <a:r>
+                  <a:rPr lang="en-US" altLang="ko-KR" sz="2000" dirty="0">
+                    <a:latin typeface="Pretendard" panose="02000503000000020004" pitchFamily="50" charset="-127"/>
+                    <a:ea typeface="Pretendard" panose="02000503000000020004" pitchFamily="50" charset="-127"/>
+                    <a:cs typeface="Pretendard" panose="02000503000000020004" pitchFamily="50" charset="-127"/>
+                  </a:rPr>
+                  <a:t>, </a:t>
+                </a:r>
+                <a:r>
+                  <a:rPr lang="ko-KR" altLang="en-US" sz="2000" dirty="0">
+                    <a:latin typeface="Pretendard" panose="02000503000000020004" pitchFamily="50" charset="-127"/>
+                    <a:ea typeface="Pretendard" panose="02000503000000020004" pitchFamily="50" charset="-127"/>
+                    <a:cs typeface="Pretendard" panose="02000503000000020004" pitchFamily="50" charset="-127"/>
+                  </a:rPr>
+                  <a:t>가끔 한계 넘으면 그때 지연이나 패킷 드랍이 생긴다</a:t>
+                </a:r>
+                <a:r>
+                  <a:rPr lang="en-US" altLang="ko-KR" sz="2000" dirty="0">
+                    <a:latin typeface="Pretendard" panose="02000503000000020004" pitchFamily="50" charset="-127"/>
+                    <a:ea typeface="Pretendard" panose="02000503000000020004" pitchFamily="50" charset="-127"/>
+                    <a:cs typeface="Pretendard" panose="02000503000000020004" pitchFamily="50" charset="-127"/>
+                  </a:rPr>
+                  <a:t>.</a:t>
+                </a:r>
+                <a:endParaRPr lang="ko-KR" altLang="en-US" sz="2000" dirty="0">
+                  <a:latin typeface="Pretendard" panose="02000503000000020004" pitchFamily="50" charset="-127"/>
+                  <a:ea typeface="Pretendard" panose="02000503000000020004" pitchFamily="50" charset="-127"/>
+                  <a:cs typeface="Pretendard" panose="02000503000000020004" pitchFamily="50" charset="-127"/>
+                </a:endParaRPr>
+              </a:p>
+            </p:txBody>
+          </p:sp>
+        </mc:Choice>
+        <mc:Fallback>
+          <p:sp>
+            <p:nvSpPr>
+              <p:cNvPr id="3" name="내용 개체 틀 2">
+                <a:extLst>
+                  <a:ext uri="{FF2B5EF4-FFF2-40B4-BE49-F238E27FC236}">
+                    <a16:creationId xmlns:a16="http://schemas.microsoft.com/office/drawing/2014/main" id="{5111D7D4-EF78-8181-8845-D81DAE5F745D}"/>
+                  </a:ext>
+                </a:extLst>
+              </p:cNvPr>
+              <p:cNvSpPr>
+                <a:spLocks noGrp="1" noRot="1" noChangeAspect="1" noMove="1" noResize="1" noEditPoints="1" noAdjustHandles="1" noChangeArrowheads="1" noChangeShapeType="1" noTextEdit="1"/>
+              </p:cNvSpPr>
+              <p:nvPr>
+                <p:ph sz="half" idx="1"/>
+              </p:nvPr>
+            </p:nvSpPr>
+            <p:spPr>
+              <a:xfrm>
+                <a:off x="838200" y="556054"/>
+                <a:ext cx="10727724" cy="5620909"/>
+              </a:xfrm>
+              <a:blipFill>
+                <a:blip r:embed="rId2"/>
+                <a:stretch>
+                  <a:fillRect/>
+                </a:stretch>
+              </a:blipFill>
+            </p:spPr>
+            <p:txBody>
+              <a:bodyPr/>
+              <a:lstStyle/>
+              <a:p>
+                <a:r>
+                  <a:rPr lang="ko-KR" altLang="en-US">
+                    <a:noFill/>
+                  </a:rPr>
+                  <a:t> </a:t>
+                </a:r>
+              </a:p>
+            </p:txBody>
+          </p:sp>
+        </mc:Fallback>
+      </mc:AlternateContent>
+      <p:sp>
+        <p:nvSpPr>
+          <p:cNvPr id="5" name="슬라이드 번호 개체 틀 4">
+            <a:extLst>
+              <a:ext uri="{FF2B5EF4-FFF2-40B4-BE49-F238E27FC236}">
+                <a16:creationId xmlns:a16="http://schemas.microsoft.com/office/drawing/2014/main" id="{4EC3504F-BBA3-FF7A-293B-9F924D2FBD74}"/>
+              </a:ext>
+            </a:extLst>
+          </p:cNvPr>
+          <p:cNvSpPr>
+            <a:spLocks noGrp="1"/>
+          </p:cNvSpPr>
+          <p:nvPr>
+            <p:ph type="sldNum" sz="quarter" idx="4"/>
+          </p:nvPr>
+        </p:nvSpPr>
+        <p:spPr/>
+        <p:txBody>
+          <a:bodyPr/>
+          <a:lstStyle/>
+          <a:p>
+            <a:r>
+              <a:rPr lang="en-US"/>
+              <a:t>Introduction: 1-</a:t>
+            </a:r>
+            <a:fld id="{C4204591-24BD-A542-B9D5-F8D8A88D2FEE}" type="slidenum">
+              <a:rPr lang="en-US" smtClean="0"/>
+              <a:pPr/>
+              <a:t>3</a:t>
+            </a:fld>
+            <a:endParaRPr lang="en-US" dirty="0"/>
+          </a:p>
+        </p:txBody>
+      </p:sp>
+      <p:pic>
+        <p:nvPicPr>
+          <p:cNvPr id="7" name="그림 6" descr="폰트, 텍스트, 화이트, 서예이(가) 표시된 사진&#10;&#10;AI 생성 콘텐츠는 정확하지 않을 수 있습니다.">
+            <a:extLst>
+              <a:ext uri="{FF2B5EF4-FFF2-40B4-BE49-F238E27FC236}">
+                <a16:creationId xmlns:a16="http://schemas.microsoft.com/office/drawing/2014/main" id="{C594882F-7479-F668-2CFD-06C4103AFE81}"/>
+              </a:ext>
+            </a:extLst>
+          </p:cNvPr>
+          <p:cNvPicPr>
+            <a:picLocks noChangeAspect="1"/>
+          </p:cNvPicPr>
+          <p:nvPr/>
+        </p:nvPicPr>
+        <p:blipFill>
+          <a:blip r:embed="rId3"/>
+          <a:stretch>
+            <a:fillRect/>
+          </a:stretch>
+        </p:blipFill>
+        <p:spPr>
+          <a:xfrm>
+            <a:off x="1744366" y="2450061"/>
+            <a:ext cx="3562847" cy="771633"/>
+          </a:xfrm>
+          <a:prstGeom prst="rect">
+            <a:avLst/>
+          </a:prstGeom>
+        </p:spPr>
+      </p:pic>
+    </p:spTree>
+    <p:extLst>
+      <p:ext uri="{BB962C8B-B14F-4D97-AF65-F5344CB8AC3E}">
+        <p14:creationId xmlns:p14="http://schemas.microsoft.com/office/powerpoint/2010/main" val="3144049797"/>
+      </p:ext>
+    </p:extLst>
+  </p:cSld>
+  <p:clrMapOvr>
+    <a:masterClrMapping/>
+  </p:clrMapOvr>
 </p:sld>
 </file>
 
